--- a/00_Setup/00_Madagascar-STARTUP-2020.pptx
+++ b/00_Setup/00_Madagascar-STARTUP-2020.pptx
@@ -216,7 +216,7 @@
           <a:p>
             <a:fld id="{2DD5BBA9-5D07-A147-B857-B62D065ABD1B}" type="datetimeFigureOut">
               <a:rPr lang="en-US" smtClean="0"/>
-              <a:t>1/5/20</a:t>
+              <a:t>1/6/20</a:t>
             </a:fld>
             <a:endParaRPr lang="en-US"/>
           </a:p>
@@ -948,7 +948,7 @@
           <a:bodyPr/>
           <a:lstStyle/>
           <a:p>
-            <a:endParaRPr lang="en-US"/>
+            <a:endParaRPr lang="en-US" dirty="0"/>
           </a:p>
         </p:txBody>
       </p:sp>
@@ -8139,23 +8139,8 @@
                 </a:solidFill>
                 <a:latin typeface="Arial"/>
               </a:rPr>
-              <a:t> using the </a:t>
-            </a:r>
-            <a:r>
-              <a:rPr lang="en-US" sz="2000" spc="-1">
-                <a:solidFill>
-                  <a:srgbClr val="000000"/>
-                </a:solidFill>
-                <a:latin typeface="Arial"/>
-              </a:rPr>
-              <a:t>following command:</a:t>
-            </a:r>
-            <a:endParaRPr lang="en-US" sz="2000" spc="-1" dirty="0">
-              <a:solidFill>
-                <a:srgbClr val="000000"/>
-              </a:solidFill>
-              <a:latin typeface="Arial"/>
-            </a:endParaRPr>
+              <a:t> using the following command:</a:t>
+            </a:r>
           </a:p>
           <a:p>
             <a:pPr marL="285840" indent="-284760">
@@ -8184,7 +8169,7 @@
               <a:buChar char="•"/>
             </a:pPr>
             <a:r>
-              <a:rPr lang="en-US" sz="2000" spc="-1" dirty="0">
+              <a:rPr lang="en-US" sz="2000" b="1" spc="-1" dirty="0">
                 <a:solidFill>
                   <a:srgbClr val="000000"/>
                 </a:solidFill>
@@ -8193,7 +8178,7 @@
               <a:t>g</a:t>
             </a:r>
             <a:r>
-              <a:rPr lang="en-US" sz="2000" spc="-1" dirty="0">
+              <a:rPr lang="en-US" sz="2000" b="1" spc="-1" dirty="0">
                 <a:solidFill>
                   <a:srgbClr val="000000"/>
                 </a:solidFill>
@@ -8201,7 +8186,7 @@
               <a:t>it clone https://</a:t>
             </a:r>
             <a:r>
-              <a:rPr lang="en-US" sz="2000" spc="-1" dirty="0" err="1">
+              <a:rPr lang="en-US" sz="2000" b="1" spc="-1" dirty="0" err="1">
                 <a:solidFill>
                   <a:srgbClr val="000000"/>
                 </a:solidFill>
@@ -8209,7 +8194,7 @@
               <a:t>github.com</a:t>
             </a:r>
             <a:r>
-              <a:rPr lang="en-US" sz="2000" spc="-1" dirty="0">
+              <a:rPr lang="en-US" sz="2000" b="1" spc="-1" dirty="0">
                 <a:solidFill>
                   <a:srgbClr val="000000"/>
                 </a:solidFill>
@@ -8217,7 +8202,7 @@
               <a:t>/</a:t>
             </a:r>
             <a:r>
-              <a:rPr lang="en-US" sz="2000" spc="-1" dirty="0" err="1">
+              <a:rPr lang="en-US" sz="2000" b="1" spc="-1" dirty="0" err="1">
                 <a:solidFill>
                   <a:srgbClr val="000000"/>
                 </a:solidFill>
@@ -8225,7 +8210,7 @@
               <a:t>jshragge</a:t>
             </a:r>
             <a:r>
-              <a:rPr lang="en-US" sz="2000" spc="-1" dirty="0">
+              <a:rPr lang="en-US" sz="2000" b="1" spc="-1" dirty="0">
                 <a:solidFill>
                   <a:srgbClr val="000000"/>
                 </a:solidFill>
@@ -8263,6 +8248,40 @@
               </a:rPr>
               <a:t>Your local machine may not have git installed (Windows), but you should be able to do it in your home directory on Mio</a:t>
             </a:r>
+          </a:p>
+          <a:p>
+            <a:pPr marL="285840" indent="-284760">
+              <a:buClr>
+                <a:srgbClr val="000000"/>
+              </a:buClr>
+              <a:buFont typeface="Arial"/>
+              <a:buChar char="•"/>
+            </a:pPr>
+            <a:endParaRPr lang="en-US" sz="2000" spc="-1" dirty="0">
+              <a:solidFill>
+                <a:srgbClr val="000000"/>
+              </a:solidFill>
+            </a:endParaRPr>
+          </a:p>
+          <a:p>
+            <a:pPr marL="285840" indent="-284760">
+              <a:buClr>
+                <a:srgbClr val="000000"/>
+              </a:buClr>
+              <a:buFont typeface="Arial"/>
+              <a:buChar char="•"/>
+            </a:pPr>
+            <a:r>
+              <a:rPr lang="en-AU" sz="2000" dirty="0">
+                <a:hlinkClick r:id="rId3"/>
+              </a:rPr>
+              <a:t>https://github.com/jshragge/CSM_GEOP_M8R</a:t>
+            </a:r>
+            <a:endParaRPr lang="en-US" sz="2000" spc="-1" dirty="0">
+              <a:solidFill>
+                <a:srgbClr val="000000"/>
+              </a:solidFill>
+            </a:endParaRPr>
           </a:p>
           <a:p>
             <a:pPr marL="285840" indent="-284760">
